--- a/Documents/1.Project_Overview.pptx
+++ b/Documents/1.Project_Overview.pptx
@@ -6503,11 +6503,17 @@
           <p:cNvGraphicFramePr>
             <a:graphicFrameLocks noGrp="1"/>
           </p:cNvGraphicFramePr>
-          <p:nvPr/>
+          <p:nvPr>
+            <p:extLst>
+              <p:ext uri="{D42A27DB-BD31-4B8C-83A1-F6EECF244321}">
+                <p14:modId xmlns:p14="http://schemas.microsoft.com/office/powerpoint/2010/main" val="4226527663"/>
+              </p:ext>
+            </p:extLst>
+          </p:nvPr>
         </p:nvGraphicFramePr>
         <p:xfrm>
           <a:off x="263162" y="150039"/>
-          <a:ext cx="11684001" cy="5786066"/>
+          <a:ext cx="11684001" cy="6133841"/>
         </p:xfrm>
         <a:graphic>
           <a:graphicData uri="http://schemas.openxmlformats.org/drawingml/2006/table">
@@ -6765,7 +6771,11 @@
                       </a:r>
                       <a:r>
                         <a:rPr lang="en-US" sz="1400" dirty="0"/>
-                        <a:t> - Identify and prioritize high-impact features based on community and client feedback. - Build relationships with enterprises to leverage the platform commercially. - Continuously improve through data-driven decision-making from user behavior and feedback.</a:t>
+                        <a:t> - Identify and prioritize high-impact features based on community and client feedback. - Build relationships with enterprises to leverage the platform commercially. - Continuously improve through data-driven decision-making from user behavior and feedback. Startup templates for Startups and Enterprise Templates </a:t>
+                      </a:r>
+                      <a:r>
+                        <a:rPr lang="en-US" sz="1400"/>
+                        <a:t>for Enterprises.</a:t>
                       </a:r>
                       <a:endParaRPr lang="en-IN" sz="1400" b="1" dirty="0"/>
                     </a:p>

--- a/Documents/1.Project_Overview.pptx
+++ b/Documents/1.Project_Overview.pptx
@@ -22,6 +22,7 @@
     <p:sldId id="270" r:id="rId16"/>
     <p:sldId id="271" r:id="rId17"/>
     <p:sldId id="273" r:id="rId18"/>
+    <p:sldId id="274" r:id="rId19"/>
   </p:sldIdLst>
   <p:sldSz cx="12192000" cy="6858000"/>
   <p:notesSz cx="6858000" cy="9144000"/>
@@ -873,7 +874,7 @@
           <a:p>
             <a:fld id="{58ADE4AF-B716-40A1-9EA2-F26C6E3B1726}" type="datetimeFigureOut">
               <a:rPr lang="en-IN" smtClean="0"/>
-              <a:t>29-09-2024</a:t>
+              <a:t>04-10-2024</a:t>
             </a:fld>
             <a:endParaRPr lang="en-IN"/>
           </a:p>
@@ -1124,7 +1125,7 @@
           <a:p>
             <a:fld id="{58ADE4AF-B716-40A1-9EA2-F26C6E3B1726}" type="datetimeFigureOut">
               <a:rPr lang="en-IN" smtClean="0"/>
-              <a:t>29-09-2024</a:t>
+              <a:t>04-10-2024</a:t>
             </a:fld>
             <a:endParaRPr lang="en-IN"/>
           </a:p>
@@ -1438,7 +1439,7 @@
           <a:p>
             <a:fld id="{58ADE4AF-B716-40A1-9EA2-F26C6E3B1726}" type="datetimeFigureOut">
               <a:rPr lang="en-IN" smtClean="0"/>
-              <a:t>29-09-2024</a:t>
+              <a:t>04-10-2024</a:t>
             </a:fld>
             <a:endParaRPr lang="en-IN"/>
           </a:p>
@@ -1771,7 +1772,7 @@
           <a:p>
             <a:fld id="{58ADE4AF-B716-40A1-9EA2-F26C6E3B1726}" type="datetimeFigureOut">
               <a:rPr lang="en-IN" smtClean="0"/>
-              <a:t>29-09-2024</a:t>
+              <a:t>04-10-2024</a:t>
             </a:fld>
             <a:endParaRPr lang="en-IN"/>
           </a:p>
@@ -2085,7 +2086,7 @@
           <a:p>
             <a:fld id="{58ADE4AF-B716-40A1-9EA2-F26C6E3B1726}" type="datetimeFigureOut">
               <a:rPr lang="en-IN" smtClean="0"/>
-              <a:t>29-09-2024</a:t>
+              <a:t>04-10-2024</a:t>
             </a:fld>
             <a:endParaRPr lang="en-IN"/>
           </a:p>
@@ -2478,7 +2479,7 @@
           <a:p>
             <a:fld id="{58ADE4AF-B716-40A1-9EA2-F26C6E3B1726}" type="datetimeFigureOut">
               <a:rPr lang="en-IN" smtClean="0"/>
-              <a:t>29-09-2024</a:t>
+              <a:t>04-10-2024</a:t>
             </a:fld>
             <a:endParaRPr lang="en-IN"/>
           </a:p>
@@ -2648,7 +2649,7 @@
           <a:p>
             <a:fld id="{58ADE4AF-B716-40A1-9EA2-F26C6E3B1726}" type="datetimeFigureOut">
               <a:rPr lang="en-IN" smtClean="0"/>
-              <a:t>29-09-2024</a:t>
+              <a:t>04-10-2024</a:t>
             </a:fld>
             <a:endParaRPr lang="en-IN"/>
           </a:p>
@@ -2828,7 +2829,7 @@
           <a:p>
             <a:fld id="{58ADE4AF-B716-40A1-9EA2-F26C6E3B1726}" type="datetimeFigureOut">
               <a:rPr lang="en-IN" smtClean="0"/>
-              <a:t>29-09-2024</a:t>
+              <a:t>04-10-2024</a:t>
             </a:fld>
             <a:endParaRPr lang="en-IN"/>
           </a:p>
@@ -2998,7 +2999,7 @@
           <a:p>
             <a:fld id="{58ADE4AF-B716-40A1-9EA2-F26C6E3B1726}" type="datetimeFigureOut">
               <a:rPr lang="en-IN" smtClean="0"/>
-              <a:t>29-09-2024</a:t>
+              <a:t>04-10-2024</a:t>
             </a:fld>
             <a:endParaRPr lang="en-IN"/>
           </a:p>
@@ -3245,7 +3246,7 @@
           <a:p>
             <a:fld id="{58ADE4AF-B716-40A1-9EA2-F26C6E3B1726}" type="datetimeFigureOut">
               <a:rPr lang="en-IN" smtClean="0"/>
-              <a:t>29-09-2024</a:t>
+              <a:t>04-10-2024</a:t>
             </a:fld>
             <a:endParaRPr lang="en-IN"/>
           </a:p>
@@ -3477,7 +3478,7 @@
           <a:p>
             <a:fld id="{58ADE4AF-B716-40A1-9EA2-F26C6E3B1726}" type="datetimeFigureOut">
               <a:rPr lang="en-IN" smtClean="0"/>
-              <a:t>29-09-2024</a:t>
+              <a:t>04-10-2024</a:t>
             </a:fld>
             <a:endParaRPr lang="en-IN"/>
           </a:p>
@@ -3851,7 +3852,7 @@
           <a:p>
             <a:fld id="{58ADE4AF-B716-40A1-9EA2-F26C6E3B1726}" type="datetimeFigureOut">
               <a:rPr lang="en-IN" smtClean="0"/>
-              <a:t>29-09-2024</a:t>
+              <a:t>04-10-2024</a:t>
             </a:fld>
             <a:endParaRPr lang="en-IN"/>
           </a:p>
@@ -3974,7 +3975,7 @@
           <a:p>
             <a:fld id="{58ADE4AF-B716-40A1-9EA2-F26C6E3B1726}" type="datetimeFigureOut">
               <a:rPr lang="en-IN" smtClean="0"/>
-              <a:t>29-09-2024</a:t>
+              <a:t>04-10-2024</a:t>
             </a:fld>
             <a:endParaRPr lang="en-IN"/>
           </a:p>
@@ -4069,7 +4070,7 @@
           <a:p>
             <a:fld id="{58ADE4AF-B716-40A1-9EA2-F26C6E3B1726}" type="datetimeFigureOut">
               <a:rPr lang="en-IN" smtClean="0"/>
-              <a:t>29-09-2024</a:t>
+              <a:t>04-10-2024</a:t>
             </a:fld>
             <a:endParaRPr lang="en-IN"/>
           </a:p>
@@ -4324,7 +4325,7 @@
           <a:p>
             <a:fld id="{58ADE4AF-B716-40A1-9EA2-F26C6E3B1726}" type="datetimeFigureOut">
               <a:rPr lang="en-IN" smtClean="0"/>
-              <a:t>29-09-2024</a:t>
+              <a:t>04-10-2024</a:t>
             </a:fld>
             <a:endParaRPr lang="en-IN"/>
           </a:p>
@@ -4629,7 +4630,7 @@
           <a:p>
             <a:fld id="{58ADE4AF-B716-40A1-9EA2-F26C6E3B1726}" type="datetimeFigureOut">
               <a:rPr lang="en-IN" smtClean="0"/>
-              <a:t>29-09-2024</a:t>
+              <a:t>04-10-2024</a:t>
             </a:fld>
             <a:endParaRPr lang="en-IN"/>
           </a:p>
@@ -5331,7 +5332,7 @@
           <a:p>
             <a:fld id="{58ADE4AF-B716-40A1-9EA2-F26C6E3B1726}" type="datetimeFigureOut">
               <a:rPr lang="en-IN" smtClean="0"/>
-              <a:t>29-09-2024</a:t>
+              <a:t>04-10-2024</a:t>
             </a:fld>
             <a:endParaRPr lang="en-IN"/>
           </a:p>
@@ -5860,7 +5861,7 @@
           <p:cNvPr id="2" name="Title 1">
             <a:extLst>
               <a:ext uri="{FF2B5EF4-FFF2-40B4-BE49-F238E27FC236}">
-                <a16:creationId xmlns:a16="http://schemas.microsoft.com/office/drawing/2014/main" id="{5DD8F420-D580-829C-547C-3CC1931CB241}"/>
+                <a16:creationId xmlns:a16="http://schemas.microsoft.com/office/drawing/2014/main" xmlns="" id="{5DD8F420-D580-829C-547C-3CC1931CB241}"/>
               </a:ext>
             </a:extLst>
           </p:cNvPr>
@@ -5895,7 +5896,7 @@
           <p:cNvPr id="3" name="Subtitle 2">
             <a:extLst>
               <a:ext uri="{FF2B5EF4-FFF2-40B4-BE49-F238E27FC236}">
-                <a16:creationId xmlns:a16="http://schemas.microsoft.com/office/drawing/2014/main" id="{C2A9B1E0-2E8A-3873-96CC-CBE136006C6A}"/>
+                <a16:creationId xmlns:a16="http://schemas.microsoft.com/office/drawing/2014/main" xmlns="" id="{C2A9B1E0-2E8A-3873-96CC-CBE136006C6A}"/>
               </a:ext>
             </a:extLst>
           </p:cNvPr>
@@ -5967,7 +5968,7 @@
           <p:cNvPr id="2" name="Title 1">
             <a:extLst>
               <a:ext uri="{FF2B5EF4-FFF2-40B4-BE49-F238E27FC236}">
-                <a16:creationId xmlns:a16="http://schemas.microsoft.com/office/drawing/2014/main" id="{D26FECD7-029B-18E1-BAD8-00A6BA9D5D6C}"/>
+                <a16:creationId xmlns:a16="http://schemas.microsoft.com/office/drawing/2014/main" xmlns="" id="{D26FECD7-029B-18E1-BAD8-00A6BA9D5D6C}"/>
               </a:ext>
             </a:extLst>
           </p:cNvPr>
@@ -5995,7 +5996,7 @@
           <p:cNvPr id="3" name="Content Placeholder 2">
             <a:extLst>
               <a:ext uri="{FF2B5EF4-FFF2-40B4-BE49-F238E27FC236}">
-                <a16:creationId xmlns:a16="http://schemas.microsoft.com/office/drawing/2014/main" id="{047A7A26-AFD4-987E-62D8-4F193B6AEC38}"/>
+                <a16:creationId xmlns:a16="http://schemas.microsoft.com/office/drawing/2014/main" xmlns="" id="{047A7A26-AFD4-987E-62D8-4F193B6AEC38}"/>
               </a:ext>
             </a:extLst>
           </p:cNvPr>
@@ -6099,7 +6100,7 @@
           <p:cNvPr id="2" name="Title 1">
             <a:extLst>
               <a:ext uri="{FF2B5EF4-FFF2-40B4-BE49-F238E27FC236}">
-                <a16:creationId xmlns:a16="http://schemas.microsoft.com/office/drawing/2014/main" id="{D26FECD7-029B-18E1-BAD8-00A6BA9D5D6C}"/>
+                <a16:creationId xmlns:a16="http://schemas.microsoft.com/office/drawing/2014/main" xmlns="" id="{D26FECD7-029B-18E1-BAD8-00A6BA9D5D6C}"/>
               </a:ext>
             </a:extLst>
           </p:cNvPr>
@@ -6127,7 +6128,7 @@
           <p:cNvPr id="3" name="Content Placeholder 2">
             <a:extLst>
               <a:ext uri="{FF2B5EF4-FFF2-40B4-BE49-F238E27FC236}">
-                <a16:creationId xmlns:a16="http://schemas.microsoft.com/office/drawing/2014/main" id="{047A7A26-AFD4-987E-62D8-4F193B6AEC38}"/>
+                <a16:creationId xmlns:a16="http://schemas.microsoft.com/office/drawing/2014/main" xmlns="" id="{047A7A26-AFD4-987E-62D8-4F193B6AEC38}"/>
               </a:ext>
             </a:extLst>
           </p:cNvPr>
@@ -6231,7 +6232,7 @@
           <p:cNvPr id="4" name="Table 3">
             <a:extLst>
               <a:ext uri="{FF2B5EF4-FFF2-40B4-BE49-F238E27FC236}">
-                <a16:creationId xmlns:a16="http://schemas.microsoft.com/office/drawing/2014/main" id="{B59C0EAF-A558-51A8-C1C5-8E525C224A0C}"/>
+                <a16:creationId xmlns:a16="http://schemas.microsoft.com/office/drawing/2014/main" xmlns="" id="{B59C0EAF-A558-51A8-C1C5-8E525C224A0C}"/>
               </a:ext>
             </a:extLst>
           </p:cNvPr>
@@ -6254,21 +6255,21 @@
                 <a:gridCol w="2709333">
                   <a:extLst>
                     <a:ext uri="{9D8B030D-6E8A-4147-A177-3AD203B41FA5}">
-                      <a16:colId xmlns:a16="http://schemas.microsoft.com/office/drawing/2014/main" val="2579561754"/>
+                      <a16:colId xmlns:a16="http://schemas.microsoft.com/office/drawing/2014/main" xmlns="" val="2579561754"/>
                     </a:ext>
                   </a:extLst>
                 </a:gridCol>
                 <a:gridCol w="2709333">
                   <a:extLst>
                     <a:ext uri="{9D8B030D-6E8A-4147-A177-3AD203B41FA5}">
-                      <a16:colId xmlns:a16="http://schemas.microsoft.com/office/drawing/2014/main" val="2825864887"/>
+                      <a16:colId xmlns:a16="http://schemas.microsoft.com/office/drawing/2014/main" xmlns="" val="2825864887"/>
                     </a:ext>
                   </a:extLst>
                 </a:gridCol>
                 <a:gridCol w="2709333">
                   <a:extLst>
                     <a:ext uri="{9D8B030D-6E8A-4147-A177-3AD203B41FA5}">
-                      <a16:colId xmlns:a16="http://schemas.microsoft.com/office/drawing/2014/main" val="3867287667"/>
+                      <a16:colId xmlns:a16="http://schemas.microsoft.com/office/drawing/2014/main" xmlns="" val="3867287667"/>
                     </a:ext>
                   </a:extLst>
                 </a:gridCol>
@@ -6315,7 +6316,7 @@
                 </a:tc>
                 <a:extLst>
                   <a:ext uri="{0D108BD9-81ED-4DB2-BD59-A6C34878D82A}">
-                    <a16:rowId xmlns:a16="http://schemas.microsoft.com/office/drawing/2014/main" val="1316394811"/>
+                    <a16:rowId xmlns:a16="http://schemas.microsoft.com/office/drawing/2014/main" xmlns="" val="1316394811"/>
                   </a:ext>
                 </a:extLst>
               </a:tr>
@@ -6361,7 +6362,7 @@
                 </a:tc>
                 <a:extLst>
                   <a:ext uri="{0D108BD9-81ED-4DB2-BD59-A6C34878D82A}">
-                    <a16:rowId xmlns:a16="http://schemas.microsoft.com/office/drawing/2014/main" val="1516411776"/>
+                    <a16:rowId xmlns:a16="http://schemas.microsoft.com/office/drawing/2014/main" xmlns="" val="1516411776"/>
                   </a:ext>
                 </a:extLst>
               </a:tr>
@@ -6407,7 +6408,7 @@
                 </a:tc>
                 <a:extLst>
                   <a:ext uri="{0D108BD9-81ED-4DB2-BD59-A6C34878D82A}">
-                    <a16:rowId xmlns:a16="http://schemas.microsoft.com/office/drawing/2014/main" val="2536797421"/>
+                    <a16:rowId xmlns:a16="http://schemas.microsoft.com/office/drawing/2014/main" xmlns="" val="2536797421"/>
                   </a:ext>
                 </a:extLst>
               </a:tr>
@@ -6453,7 +6454,7 @@
                 </a:tc>
                 <a:extLst>
                   <a:ext uri="{0D108BD9-81ED-4DB2-BD59-A6C34878D82A}">
-                    <a16:rowId xmlns:a16="http://schemas.microsoft.com/office/drawing/2014/main" val="3593308718"/>
+                    <a16:rowId xmlns:a16="http://schemas.microsoft.com/office/drawing/2014/main" xmlns="" val="3593308718"/>
                   </a:ext>
                 </a:extLst>
               </a:tr>
@@ -6496,7 +6497,7 @@
           <p:cNvPr id="4" name="Table 3">
             <a:extLst>
               <a:ext uri="{FF2B5EF4-FFF2-40B4-BE49-F238E27FC236}">
-                <a16:creationId xmlns:a16="http://schemas.microsoft.com/office/drawing/2014/main" id="{B59C0EAF-A558-51A8-C1C5-8E525C224A0C}"/>
+                <a16:creationId xmlns:a16="http://schemas.microsoft.com/office/drawing/2014/main" xmlns="" id="{B59C0EAF-A558-51A8-C1C5-8E525C224A0C}"/>
               </a:ext>
             </a:extLst>
           </p:cNvPr>
@@ -6525,21 +6526,21 @@
                 <a:gridCol w="3894667">
                   <a:extLst>
                     <a:ext uri="{9D8B030D-6E8A-4147-A177-3AD203B41FA5}">
-                      <a16:colId xmlns:a16="http://schemas.microsoft.com/office/drawing/2014/main" val="2579561754"/>
+                      <a16:colId xmlns:a16="http://schemas.microsoft.com/office/drawing/2014/main" xmlns="" val="2579561754"/>
                     </a:ext>
                   </a:extLst>
                 </a:gridCol>
                 <a:gridCol w="3894667">
                   <a:extLst>
                     <a:ext uri="{9D8B030D-6E8A-4147-A177-3AD203B41FA5}">
-                      <a16:colId xmlns:a16="http://schemas.microsoft.com/office/drawing/2014/main" val="2825864887"/>
+                      <a16:colId xmlns:a16="http://schemas.microsoft.com/office/drawing/2014/main" xmlns="" val="2825864887"/>
                     </a:ext>
                   </a:extLst>
                 </a:gridCol>
                 <a:gridCol w="3894667">
                   <a:extLst>
                     <a:ext uri="{9D8B030D-6E8A-4147-A177-3AD203B41FA5}">
-                      <a16:colId xmlns:a16="http://schemas.microsoft.com/office/drawing/2014/main" val="3867287667"/>
+                      <a16:colId xmlns:a16="http://schemas.microsoft.com/office/drawing/2014/main" xmlns="" val="3867287667"/>
                     </a:ext>
                   </a:extLst>
                 </a:gridCol>
@@ -6589,7 +6590,7 @@
                 </a:tc>
                 <a:extLst>
                   <a:ext uri="{0D108BD9-81ED-4DB2-BD59-A6C34878D82A}">
-                    <a16:rowId xmlns:a16="http://schemas.microsoft.com/office/drawing/2014/main" val="1316394811"/>
+                    <a16:rowId xmlns:a16="http://schemas.microsoft.com/office/drawing/2014/main" xmlns="" val="1316394811"/>
                   </a:ext>
                 </a:extLst>
               </a:tr>
@@ -6658,7 +6659,7 @@
                 </a:tc>
                 <a:extLst>
                   <a:ext uri="{0D108BD9-81ED-4DB2-BD59-A6C34878D82A}">
-                    <a16:rowId xmlns:a16="http://schemas.microsoft.com/office/drawing/2014/main" val="1516411776"/>
+                    <a16:rowId xmlns:a16="http://schemas.microsoft.com/office/drawing/2014/main" xmlns="" val="1516411776"/>
                   </a:ext>
                 </a:extLst>
               </a:tr>
@@ -6719,7 +6720,7 @@
                 </a:tc>
                 <a:extLst>
                   <a:ext uri="{0D108BD9-81ED-4DB2-BD59-A6C34878D82A}">
-                    <a16:rowId xmlns:a16="http://schemas.microsoft.com/office/drawing/2014/main" val="2536797421"/>
+                    <a16:rowId xmlns:a16="http://schemas.microsoft.com/office/drawing/2014/main" xmlns="" val="2536797421"/>
                   </a:ext>
                 </a:extLst>
               </a:tr>
@@ -6784,7 +6785,7 @@
                 </a:tc>
                 <a:extLst>
                   <a:ext uri="{0D108BD9-81ED-4DB2-BD59-A6C34878D82A}">
-                    <a16:rowId xmlns:a16="http://schemas.microsoft.com/office/drawing/2014/main" val="3593308718"/>
+                    <a16:rowId xmlns:a16="http://schemas.microsoft.com/office/drawing/2014/main" xmlns="" val="3593308718"/>
                   </a:ext>
                 </a:extLst>
               </a:tr>
@@ -6827,7 +6828,7 @@
           <p:cNvPr id="2" name="Title 1">
             <a:extLst>
               <a:ext uri="{FF2B5EF4-FFF2-40B4-BE49-F238E27FC236}">
-                <a16:creationId xmlns:a16="http://schemas.microsoft.com/office/drawing/2014/main" id="{69BCE4D7-5BDE-30CB-6F5F-315C418F577F}"/>
+                <a16:creationId xmlns:a16="http://schemas.microsoft.com/office/drawing/2014/main" xmlns="" id="{69BCE4D7-5BDE-30CB-6F5F-315C418F577F}"/>
               </a:ext>
             </a:extLst>
           </p:cNvPr>
@@ -6855,7 +6856,7 @@
           <p:cNvPr id="3" name="Content Placeholder 2">
             <a:extLst>
               <a:ext uri="{FF2B5EF4-FFF2-40B4-BE49-F238E27FC236}">
-                <a16:creationId xmlns:a16="http://schemas.microsoft.com/office/drawing/2014/main" id="{BDF63487-C217-45BA-1C96-9D56D16436E6}"/>
+                <a16:creationId xmlns:a16="http://schemas.microsoft.com/office/drawing/2014/main" xmlns="" id="{BDF63487-C217-45BA-1C96-9D56D16436E6}"/>
               </a:ext>
             </a:extLst>
           </p:cNvPr>
@@ -6961,7 +6962,7 @@
           <p:cNvPr id="2" name="Title 1">
             <a:extLst>
               <a:ext uri="{FF2B5EF4-FFF2-40B4-BE49-F238E27FC236}">
-                <a16:creationId xmlns:a16="http://schemas.microsoft.com/office/drawing/2014/main" id="{69BCE4D7-5BDE-30CB-6F5F-315C418F577F}"/>
+                <a16:creationId xmlns:a16="http://schemas.microsoft.com/office/drawing/2014/main" xmlns="" id="{69BCE4D7-5BDE-30CB-6F5F-315C418F577F}"/>
               </a:ext>
             </a:extLst>
           </p:cNvPr>
@@ -6989,7 +6990,7 @@
           <p:cNvPr id="3" name="Content Placeholder 2">
             <a:extLst>
               <a:ext uri="{FF2B5EF4-FFF2-40B4-BE49-F238E27FC236}">
-                <a16:creationId xmlns:a16="http://schemas.microsoft.com/office/drawing/2014/main" id="{BDF63487-C217-45BA-1C96-9D56D16436E6}"/>
+                <a16:creationId xmlns:a16="http://schemas.microsoft.com/office/drawing/2014/main" xmlns="" id="{BDF63487-C217-45BA-1C96-9D56D16436E6}"/>
               </a:ext>
             </a:extLst>
           </p:cNvPr>
@@ -7089,7 +7090,7 @@
           <p:cNvPr id="2" name="Title 1">
             <a:extLst>
               <a:ext uri="{FF2B5EF4-FFF2-40B4-BE49-F238E27FC236}">
-                <a16:creationId xmlns:a16="http://schemas.microsoft.com/office/drawing/2014/main" id="{B4A84007-2901-082A-2CE0-4173C9A04918}"/>
+                <a16:creationId xmlns:a16="http://schemas.microsoft.com/office/drawing/2014/main" xmlns="" id="{B4A84007-2901-082A-2CE0-4173C9A04918}"/>
               </a:ext>
             </a:extLst>
           </p:cNvPr>
@@ -7117,7 +7118,7 @@
           <p:cNvPr id="4" name="Table 3">
             <a:extLst>
               <a:ext uri="{FF2B5EF4-FFF2-40B4-BE49-F238E27FC236}">
-                <a16:creationId xmlns:a16="http://schemas.microsoft.com/office/drawing/2014/main" id="{05148375-4DE8-3693-4B0D-05BCD475EEE6}"/>
+                <a16:creationId xmlns:a16="http://schemas.microsoft.com/office/drawing/2014/main" xmlns="" id="{05148375-4DE8-3693-4B0D-05BCD475EEE6}"/>
               </a:ext>
             </a:extLst>
           </p:cNvPr>
@@ -7146,112 +7147,112 @@
                 <a:gridCol w="208280">
                   <a:extLst>
                     <a:ext uri="{9D8B030D-6E8A-4147-A177-3AD203B41FA5}">
-                      <a16:colId xmlns:a16="http://schemas.microsoft.com/office/drawing/2014/main" val="3397454558"/>
+                      <a16:colId xmlns:a16="http://schemas.microsoft.com/office/drawing/2014/main" xmlns="" val="3397454558"/>
                     </a:ext>
                   </a:extLst>
                 </a:gridCol>
                 <a:gridCol w="1171926">
                   <a:extLst>
                     <a:ext uri="{9D8B030D-6E8A-4147-A177-3AD203B41FA5}">
-                      <a16:colId xmlns:a16="http://schemas.microsoft.com/office/drawing/2014/main" val="1209966622"/>
+                      <a16:colId xmlns:a16="http://schemas.microsoft.com/office/drawing/2014/main" xmlns="" val="1209966622"/>
                     </a:ext>
                   </a:extLst>
                 </a:gridCol>
                 <a:gridCol w="690102">
                   <a:extLst>
                     <a:ext uri="{9D8B030D-6E8A-4147-A177-3AD203B41FA5}">
-                      <a16:colId xmlns:a16="http://schemas.microsoft.com/office/drawing/2014/main" val="3003021944"/>
+                      <a16:colId xmlns:a16="http://schemas.microsoft.com/office/drawing/2014/main" xmlns="" val="3003021944"/>
                     </a:ext>
                   </a:extLst>
                 </a:gridCol>
                 <a:gridCol w="690102">
                   <a:extLst>
                     <a:ext uri="{9D8B030D-6E8A-4147-A177-3AD203B41FA5}">
-                      <a16:colId xmlns:a16="http://schemas.microsoft.com/office/drawing/2014/main" val="2871059197"/>
+                      <a16:colId xmlns:a16="http://schemas.microsoft.com/office/drawing/2014/main" xmlns="" val="2871059197"/>
                     </a:ext>
                   </a:extLst>
                 </a:gridCol>
                 <a:gridCol w="690102">
                   <a:extLst>
                     <a:ext uri="{9D8B030D-6E8A-4147-A177-3AD203B41FA5}">
-                      <a16:colId xmlns:a16="http://schemas.microsoft.com/office/drawing/2014/main" val="3410140886"/>
+                      <a16:colId xmlns:a16="http://schemas.microsoft.com/office/drawing/2014/main" xmlns="" val="3410140886"/>
                     </a:ext>
                   </a:extLst>
                 </a:gridCol>
                 <a:gridCol w="690102">
                   <a:extLst>
                     <a:ext uri="{9D8B030D-6E8A-4147-A177-3AD203B41FA5}">
-                      <a16:colId xmlns:a16="http://schemas.microsoft.com/office/drawing/2014/main" val="2413345035"/>
+                      <a16:colId xmlns:a16="http://schemas.microsoft.com/office/drawing/2014/main" xmlns="" val="2413345035"/>
                     </a:ext>
                   </a:extLst>
                 </a:gridCol>
                 <a:gridCol w="690102">
                   <a:extLst>
                     <a:ext uri="{9D8B030D-6E8A-4147-A177-3AD203B41FA5}">
-                      <a16:colId xmlns:a16="http://schemas.microsoft.com/office/drawing/2014/main" val="2660020520"/>
+                      <a16:colId xmlns:a16="http://schemas.microsoft.com/office/drawing/2014/main" xmlns="" val="2660020520"/>
                     </a:ext>
                   </a:extLst>
                 </a:gridCol>
                 <a:gridCol w="690102">
                   <a:extLst>
                     <a:ext uri="{9D8B030D-6E8A-4147-A177-3AD203B41FA5}">
-                      <a16:colId xmlns:a16="http://schemas.microsoft.com/office/drawing/2014/main" val="225185056"/>
+                      <a16:colId xmlns:a16="http://schemas.microsoft.com/office/drawing/2014/main" xmlns="" val="225185056"/>
                     </a:ext>
                   </a:extLst>
                 </a:gridCol>
                 <a:gridCol w="690102">
                   <a:extLst>
                     <a:ext uri="{9D8B030D-6E8A-4147-A177-3AD203B41FA5}">
-                      <a16:colId xmlns:a16="http://schemas.microsoft.com/office/drawing/2014/main" val="3448378001"/>
+                      <a16:colId xmlns:a16="http://schemas.microsoft.com/office/drawing/2014/main" xmlns="" val="3448378001"/>
                     </a:ext>
                   </a:extLst>
                 </a:gridCol>
                 <a:gridCol w="690102">
                   <a:extLst>
                     <a:ext uri="{9D8B030D-6E8A-4147-A177-3AD203B41FA5}">
-                      <a16:colId xmlns:a16="http://schemas.microsoft.com/office/drawing/2014/main" val="4029842903"/>
+                      <a16:colId xmlns:a16="http://schemas.microsoft.com/office/drawing/2014/main" xmlns="" val="4029842903"/>
                     </a:ext>
                   </a:extLst>
                 </a:gridCol>
                 <a:gridCol w="690102">
                   <a:extLst>
                     <a:ext uri="{9D8B030D-6E8A-4147-A177-3AD203B41FA5}">
-                      <a16:colId xmlns:a16="http://schemas.microsoft.com/office/drawing/2014/main" val="142206798"/>
+                      <a16:colId xmlns:a16="http://schemas.microsoft.com/office/drawing/2014/main" xmlns="" val="142206798"/>
                     </a:ext>
                   </a:extLst>
                 </a:gridCol>
                 <a:gridCol w="690102">
                   <a:extLst>
                     <a:ext uri="{9D8B030D-6E8A-4147-A177-3AD203B41FA5}">
-                      <a16:colId xmlns:a16="http://schemas.microsoft.com/office/drawing/2014/main" val="3682967656"/>
+                      <a16:colId xmlns:a16="http://schemas.microsoft.com/office/drawing/2014/main" xmlns="" val="3682967656"/>
                     </a:ext>
                   </a:extLst>
                 </a:gridCol>
                 <a:gridCol w="690102">
                   <a:extLst>
                     <a:ext uri="{9D8B030D-6E8A-4147-A177-3AD203B41FA5}">
-                      <a16:colId xmlns:a16="http://schemas.microsoft.com/office/drawing/2014/main" val="3515706047"/>
+                      <a16:colId xmlns:a16="http://schemas.microsoft.com/office/drawing/2014/main" xmlns="" val="3515706047"/>
                     </a:ext>
                   </a:extLst>
                 </a:gridCol>
                 <a:gridCol w="690102">
                   <a:extLst>
                     <a:ext uri="{9D8B030D-6E8A-4147-A177-3AD203B41FA5}">
-                      <a16:colId xmlns:a16="http://schemas.microsoft.com/office/drawing/2014/main" val="3601153037"/>
+                      <a16:colId xmlns:a16="http://schemas.microsoft.com/office/drawing/2014/main" xmlns="" val="3601153037"/>
                     </a:ext>
                   </a:extLst>
                 </a:gridCol>
                 <a:gridCol w="690102">
                   <a:extLst>
                     <a:ext uri="{9D8B030D-6E8A-4147-A177-3AD203B41FA5}">
-                      <a16:colId xmlns:a16="http://schemas.microsoft.com/office/drawing/2014/main" val="2360566618"/>
+                      <a16:colId xmlns:a16="http://schemas.microsoft.com/office/drawing/2014/main" xmlns="" val="2360566618"/>
                     </a:ext>
                   </a:extLst>
                 </a:gridCol>
                 <a:gridCol w="690102">
                   <a:extLst>
                     <a:ext uri="{9D8B030D-6E8A-4147-A177-3AD203B41FA5}">
-                      <a16:colId xmlns:a16="http://schemas.microsoft.com/office/drawing/2014/main" val="3839683142"/>
+                      <a16:colId xmlns:a16="http://schemas.microsoft.com/office/drawing/2014/main" xmlns="" val="3839683142"/>
                     </a:ext>
                   </a:extLst>
                 </a:gridCol>
@@ -7461,7 +7462,7 @@
                 </a:tc>
                 <a:extLst>
                   <a:ext uri="{0D108BD9-81ED-4DB2-BD59-A6C34878D82A}">
-                    <a16:rowId xmlns:a16="http://schemas.microsoft.com/office/drawing/2014/main" val="2407760884"/>
+                    <a16:rowId xmlns:a16="http://schemas.microsoft.com/office/drawing/2014/main" xmlns="" val="2407760884"/>
                   </a:ext>
                 </a:extLst>
               </a:tr>
@@ -7634,7 +7635,7 @@
                 </a:tc>
                 <a:extLst>
                   <a:ext uri="{0D108BD9-81ED-4DB2-BD59-A6C34878D82A}">
-                    <a16:rowId xmlns:a16="http://schemas.microsoft.com/office/drawing/2014/main" val="2867597135"/>
+                    <a16:rowId xmlns:a16="http://schemas.microsoft.com/office/drawing/2014/main" xmlns="" val="2867597135"/>
                   </a:ext>
                 </a:extLst>
               </a:tr>
@@ -7807,7 +7808,7 @@
                 </a:tc>
                 <a:extLst>
                   <a:ext uri="{0D108BD9-81ED-4DB2-BD59-A6C34878D82A}">
-                    <a16:rowId xmlns:a16="http://schemas.microsoft.com/office/drawing/2014/main" val="36461146"/>
+                    <a16:rowId xmlns:a16="http://schemas.microsoft.com/office/drawing/2014/main" xmlns="" val="36461146"/>
                   </a:ext>
                 </a:extLst>
               </a:tr>
@@ -7980,7 +7981,7 @@
                 </a:tc>
                 <a:extLst>
                   <a:ext uri="{0D108BD9-81ED-4DB2-BD59-A6C34878D82A}">
-                    <a16:rowId xmlns:a16="http://schemas.microsoft.com/office/drawing/2014/main" val="3784049689"/>
+                    <a16:rowId xmlns:a16="http://schemas.microsoft.com/office/drawing/2014/main" xmlns="" val="3784049689"/>
                   </a:ext>
                 </a:extLst>
               </a:tr>
@@ -8156,7 +8157,7 @@
                 </a:tc>
                 <a:extLst>
                   <a:ext uri="{0D108BD9-81ED-4DB2-BD59-A6C34878D82A}">
-                    <a16:rowId xmlns:a16="http://schemas.microsoft.com/office/drawing/2014/main" val="750080170"/>
+                    <a16:rowId xmlns:a16="http://schemas.microsoft.com/office/drawing/2014/main" xmlns="" val="750080170"/>
                   </a:ext>
                 </a:extLst>
               </a:tr>
@@ -8329,7 +8330,7 @@
                 </a:tc>
                 <a:extLst>
                   <a:ext uri="{0D108BD9-81ED-4DB2-BD59-A6C34878D82A}">
-                    <a16:rowId xmlns:a16="http://schemas.microsoft.com/office/drawing/2014/main" val="1624324703"/>
+                    <a16:rowId xmlns:a16="http://schemas.microsoft.com/office/drawing/2014/main" xmlns="" val="1624324703"/>
                   </a:ext>
                 </a:extLst>
               </a:tr>
@@ -8517,7 +8518,7 @@
                 </a:tc>
                 <a:extLst>
                   <a:ext uri="{0D108BD9-81ED-4DB2-BD59-A6C34878D82A}">
-                    <a16:rowId xmlns:a16="http://schemas.microsoft.com/office/drawing/2014/main" val="2979045851"/>
+                    <a16:rowId xmlns:a16="http://schemas.microsoft.com/office/drawing/2014/main" xmlns="" val="2979045851"/>
                   </a:ext>
                 </a:extLst>
               </a:tr>
@@ -8720,7 +8721,7 @@
                 </a:tc>
                 <a:extLst>
                   <a:ext uri="{0D108BD9-81ED-4DB2-BD59-A6C34878D82A}">
-                    <a16:rowId xmlns:a16="http://schemas.microsoft.com/office/drawing/2014/main" val="2088400109"/>
+                    <a16:rowId xmlns:a16="http://schemas.microsoft.com/office/drawing/2014/main" xmlns="" val="2088400109"/>
                   </a:ext>
                 </a:extLst>
               </a:tr>
@@ -8896,7 +8897,7 @@
                 </a:tc>
                 <a:extLst>
                   <a:ext uri="{0D108BD9-81ED-4DB2-BD59-A6C34878D82A}">
-                    <a16:rowId xmlns:a16="http://schemas.microsoft.com/office/drawing/2014/main" val="488818098"/>
+                    <a16:rowId xmlns:a16="http://schemas.microsoft.com/office/drawing/2014/main" xmlns="" val="488818098"/>
                   </a:ext>
                 </a:extLst>
               </a:tr>
@@ -9072,7 +9073,7 @@
                 </a:tc>
                 <a:extLst>
                   <a:ext uri="{0D108BD9-81ED-4DB2-BD59-A6C34878D82A}">
-                    <a16:rowId xmlns:a16="http://schemas.microsoft.com/office/drawing/2014/main" val="3802309106"/>
+                    <a16:rowId xmlns:a16="http://schemas.microsoft.com/office/drawing/2014/main" xmlns="" val="3802309106"/>
                   </a:ext>
                 </a:extLst>
               </a:tr>
@@ -9248,7 +9249,7 @@
                 </a:tc>
                 <a:extLst>
                   <a:ext uri="{0D108BD9-81ED-4DB2-BD59-A6C34878D82A}">
-                    <a16:rowId xmlns:a16="http://schemas.microsoft.com/office/drawing/2014/main" val="2488410639"/>
+                    <a16:rowId xmlns:a16="http://schemas.microsoft.com/office/drawing/2014/main" xmlns="" val="2488410639"/>
                   </a:ext>
                 </a:extLst>
               </a:tr>
@@ -9460,7 +9461,7 @@
                 </a:tc>
                 <a:extLst>
                   <a:ext uri="{0D108BD9-81ED-4DB2-BD59-A6C34878D82A}">
-                    <a16:rowId xmlns:a16="http://schemas.microsoft.com/office/drawing/2014/main" val="4122553858"/>
+                    <a16:rowId xmlns:a16="http://schemas.microsoft.com/office/drawing/2014/main" xmlns="" val="4122553858"/>
                   </a:ext>
                 </a:extLst>
               </a:tr>
@@ -9473,7 +9474,7 @@
           <p:cNvPr id="5" name="Rectangle: Rounded Corners 4">
             <a:extLst>
               <a:ext uri="{FF2B5EF4-FFF2-40B4-BE49-F238E27FC236}">
-                <a16:creationId xmlns:a16="http://schemas.microsoft.com/office/drawing/2014/main" id="{FA86ADD7-B408-FC6E-BB00-9345566384E5}"/>
+                <a16:creationId xmlns:a16="http://schemas.microsoft.com/office/drawing/2014/main" xmlns="" id="{FA86ADD7-B408-FC6E-BB00-9345566384E5}"/>
               </a:ext>
             </a:extLst>
           </p:cNvPr>
@@ -9519,7 +9520,7 @@
           <p:cNvPr id="6" name="Rectangle: Rounded Corners 5">
             <a:extLst>
               <a:ext uri="{FF2B5EF4-FFF2-40B4-BE49-F238E27FC236}">
-                <a16:creationId xmlns:a16="http://schemas.microsoft.com/office/drawing/2014/main" id="{90675DCE-380F-A88B-6ACA-A6B7F8CBDA91}"/>
+                <a16:creationId xmlns:a16="http://schemas.microsoft.com/office/drawing/2014/main" xmlns="" id="{90675DCE-380F-A88B-6ACA-A6B7F8CBDA91}"/>
               </a:ext>
             </a:extLst>
           </p:cNvPr>
@@ -9565,7 +9566,7 @@
           <p:cNvPr id="7" name="Rectangle: Rounded Corners 6">
             <a:extLst>
               <a:ext uri="{FF2B5EF4-FFF2-40B4-BE49-F238E27FC236}">
-                <a16:creationId xmlns:a16="http://schemas.microsoft.com/office/drawing/2014/main" id="{509FA921-FB22-9836-50FF-563AEED61A29}"/>
+                <a16:creationId xmlns:a16="http://schemas.microsoft.com/office/drawing/2014/main" xmlns="" id="{509FA921-FB22-9836-50FF-563AEED61A29}"/>
               </a:ext>
             </a:extLst>
           </p:cNvPr>
@@ -9611,7 +9612,7 @@
           <p:cNvPr id="8" name="Rectangle: Rounded Corners 7">
             <a:extLst>
               <a:ext uri="{FF2B5EF4-FFF2-40B4-BE49-F238E27FC236}">
-                <a16:creationId xmlns:a16="http://schemas.microsoft.com/office/drawing/2014/main" id="{1362E76A-E16C-EBB4-1430-80F082468F8B}"/>
+                <a16:creationId xmlns:a16="http://schemas.microsoft.com/office/drawing/2014/main" xmlns="" id="{1362E76A-E16C-EBB4-1430-80F082468F8B}"/>
               </a:ext>
             </a:extLst>
           </p:cNvPr>
@@ -9657,7 +9658,7 @@
           <p:cNvPr id="9" name="Rectangle: Rounded Corners 8">
             <a:extLst>
               <a:ext uri="{FF2B5EF4-FFF2-40B4-BE49-F238E27FC236}">
-                <a16:creationId xmlns:a16="http://schemas.microsoft.com/office/drawing/2014/main" id="{25A7858F-1BD7-4B49-8B3B-145E817CDD26}"/>
+                <a16:creationId xmlns:a16="http://schemas.microsoft.com/office/drawing/2014/main" xmlns="" id="{25A7858F-1BD7-4B49-8B3B-145E817CDD26}"/>
               </a:ext>
             </a:extLst>
           </p:cNvPr>
@@ -9703,7 +9704,7 @@
           <p:cNvPr id="10" name="Rectangle: Rounded Corners 9">
             <a:extLst>
               <a:ext uri="{FF2B5EF4-FFF2-40B4-BE49-F238E27FC236}">
-                <a16:creationId xmlns:a16="http://schemas.microsoft.com/office/drawing/2014/main" id="{C2E7355D-9E2F-CE29-E494-150D2ECD84AF}"/>
+                <a16:creationId xmlns:a16="http://schemas.microsoft.com/office/drawing/2014/main" xmlns="" id="{C2E7355D-9E2F-CE29-E494-150D2ECD84AF}"/>
               </a:ext>
             </a:extLst>
           </p:cNvPr>
@@ -9749,7 +9750,7 @@
           <p:cNvPr id="11" name="Rectangle: Rounded Corners 10">
             <a:extLst>
               <a:ext uri="{FF2B5EF4-FFF2-40B4-BE49-F238E27FC236}">
-                <a16:creationId xmlns:a16="http://schemas.microsoft.com/office/drawing/2014/main" id="{B70C8BD5-414E-6351-5842-D8126B223020}"/>
+                <a16:creationId xmlns:a16="http://schemas.microsoft.com/office/drawing/2014/main" xmlns="" id="{B70C8BD5-414E-6351-5842-D8126B223020}"/>
               </a:ext>
             </a:extLst>
           </p:cNvPr>
@@ -9795,7 +9796,7 @@
           <p:cNvPr id="12" name="Rectangle: Rounded Corners 11">
             <a:extLst>
               <a:ext uri="{FF2B5EF4-FFF2-40B4-BE49-F238E27FC236}">
-                <a16:creationId xmlns:a16="http://schemas.microsoft.com/office/drawing/2014/main" id="{E70F55E5-F1D9-AC27-843B-E192441D8870}"/>
+                <a16:creationId xmlns:a16="http://schemas.microsoft.com/office/drawing/2014/main" xmlns="" id="{E70F55E5-F1D9-AC27-843B-E192441D8870}"/>
               </a:ext>
             </a:extLst>
           </p:cNvPr>
@@ -9841,7 +9842,7 @@
           <p:cNvPr id="13" name="Rectangle: Rounded Corners 12">
             <a:extLst>
               <a:ext uri="{FF2B5EF4-FFF2-40B4-BE49-F238E27FC236}">
-                <a16:creationId xmlns:a16="http://schemas.microsoft.com/office/drawing/2014/main" id="{0E6E8C0B-CC89-E1BD-8C40-2C5E3C5C57AD}"/>
+                <a16:creationId xmlns:a16="http://schemas.microsoft.com/office/drawing/2014/main" xmlns="" id="{0E6E8C0B-CC89-E1BD-8C40-2C5E3C5C57AD}"/>
               </a:ext>
             </a:extLst>
           </p:cNvPr>
@@ -9887,7 +9888,7 @@
           <p:cNvPr id="14" name="Rectangle: Rounded Corners 13">
             <a:extLst>
               <a:ext uri="{FF2B5EF4-FFF2-40B4-BE49-F238E27FC236}">
-                <a16:creationId xmlns:a16="http://schemas.microsoft.com/office/drawing/2014/main" id="{35F5CA83-B17F-DDE8-5275-7256EC289DDA}"/>
+                <a16:creationId xmlns:a16="http://schemas.microsoft.com/office/drawing/2014/main" xmlns="" id="{35F5CA83-B17F-DDE8-5275-7256EC289DDA}"/>
               </a:ext>
             </a:extLst>
           </p:cNvPr>
@@ -9933,7 +9934,7 @@
           <p:cNvPr id="15" name="Rectangle: Rounded Corners 14">
             <a:extLst>
               <a:ext uri="{FF2B5EF4-FFF2-40B4-BE49-F238E27FC236}">
-                <a16:creationId xmlns:a16="http://schemas.microsoft.com/office/drawing/2014/main" id="{5E3BC7D4-34E6-8701-C392-976E08CC2D82}"/>
+                <a16:creationId xmlns:a16="http://schemas.microsoft.com/office/drawing/2014/main" xmlns="" id="{5E3BC7D4-34E6-8701-C392-976E08CC2D82}"/>
               </a:ext>
             </a:extLst>
           </p:cNvPr>
@@ -9979,7 +9980,7 @@
           <p:cNvPr id="16" name="Rectangle: Rounded Corners 15">
             <a:extLst>
               <a:ext uri="{FF2B5EF4-FFF2-40B4-BE49-F238E27FC236}">
-                <a16:creationId xmlns:a16="http://schemas.microsoft.com/office/drawing/2014/main" id="{670F5E3E-421E-38DD-E5B0-EFA10EF5507A}"/>
+                <a16:creationId xmlns:a16="http://schemas.microsoft.com/office/drawing/2014/main" xmlns="" id="{670F5E3E-421E-38DD-E5B0-EFA10EF5507A}"/>
               </a:ext>
             </a:extLst>
           </p:cNvPr>
@@ -10025,7 +10026,7 @@
           <p:cNvPr id="17" name="Rectangle: Rounded Corners 16">
             <a:extLst>
               <a:ext uri="{FF2B5EF4-FFF2-40B4-BE49-F238E27FC236}">
-                <a16:creationId xmlns:a16="http://schemas.microsoft.com/office/drawing/2014/main" id="{44986E4C-0604-0F1F-EB53-E5EACC11C0AC}"/>
+                <a16:creationId xmlns:a16="http://schemas.microsoft.com/office/drawing/2014/main" xmlns="" id="{44986E4C-0604-0F1F-EB53-E5EACC11C0AC}"/>
               </a:ext>
             </a:extLst>
           </p:cNvPr>
@@ -10071,7 +10072,7 @@
           <p:cNvPr id="18" name="Rectangle: Rounded Corners 17">
             <a:extLst>
               <a:ext uri="{FF2B5EF4-FFF2-40B4-BE49-F238E27FC236}">
-                <a16:creationId xmlns:a16="http://schemas.microsoft.com/office/drawing/2014/main" id="{28834E84-4B65-648D-A0D6-71BD5DBFBCB1}"/>
+                <a16:creationId xmlns:a16="http://schemas.microsoft.com/office/drawing/2014/main" xmlns="" id="{28834E84-4B65-648D-A0D6-71BD5DBFBCB1}"/>
               </a:ext>
             </a:extLst>
           </p:cNvPr>
@@ -10117,7 +10118,7 @@
           <p:cNvPr id="19" name="Rectangle: Rounded Corners 18">
             <a:extLst>
               <a:ext uri="{FF2B5EF4-FFF2-40B4-BE49-F238E27FC236}">
-                <a16:creationId xmlns:a16="http://schemas.microsoft.com/office/drawing/2014/main" id="{FAE5DE4B-0115-5D1D-38D7-55885124397F}"/>
+                <a16:creationId xmlns:a16="http://schemas.microsoft.com/office/drawing/2014/main" xmlns="" id="{FAE5DE4B-0115-5D1D-38D7-55885124397F}"/>
               </a:ext>
             </a:extLst>
           </p:cNvPr>
@@ -10163,7 +10164,7 @@
           <p:cNvPr id="23" name="Rectangle: Rounded Corners 22">
             <a:extLst>
               <a:ext uri="{FF2B5EF4-FFF2-40B4-BE49-F238E27FC236}">
-                <a16:creationId xmlns:a16="http://schemas.microsoft.com/office/drawing/2014/main" id="{31CD02D6-B080-940C-3EFC-F891B56BE3F5}"/>
+                <a16:creationId xmlns:a16="http://schemas.microsoft.com/office/drawing/2014/main" xmlns="" id="{31CD02D6-B080-940C-3EFC-F891B56BE3F5}"/>
               </a:ext>
             </a:extLst>
           </p:cNvPr>
@@ -10209,7 +10210,7 @@
           <p:cNvPr id="24" name="Rectangle: Rounded Corners 23">
             <a:extLst>
               <a:ext uri="{FF2B5EF4-FFF2-40B4-BE49-F238E27FC236}">
-                <a16:creationId xmlns:a16="http://schemas.microsoft.com/office/drawing/2014/main" id="{E2E5796D-3745-2109-4C38-5F2E9A2CE505}"/>
+                <a16:creationId xmlns:a16="http://schemas.microsoft.com/office/drawing/2014/main" xmlns="" id="{E2E5796D-3745-2109-4C38-5F2E9A2CE505}"/>
               </a:ext>
             </a:extLst>
           </p:cNvPr>
@@ -10255,7 +10256,7 @@
           <p:cNvPr id="25" name="Rectangle: Rounded Corners 24">
             <a:extLst>
               <a:ext uri="{FF2B5EF4-FFF2-40B4-BE49-F238E27FC236}">
-                <a16:creationId xmlns:a16="http://schemas.microsoft.com/office/drawing/2014/main" id="{84975548-69FB-A0FC-1CBD-65B122E2919A}"/>
+                <a16:creationId xmlns:a16="http://schemas.microsoft.com/office/drawing/2014/main" xmlns="" id="{84975548-69FB-A0FC-1CBD-65B122E2919A}"/>
               </a:ext>
             </a:extLst>
           </p:cNvPr>
@@ -10301,7 +10302,7 @@
           <p:cNvPr id="26" name="Rectangle: Rounded Corners 25">
             <a:extLst>
               <a:ext uri="{FF2B5EF4-FFF2-40B4-BE49-F238E27FC236}">
-                <a16:creationId xmlns:a16="http://schemas.microsoft.com/office/drawing/2014/main" id="{0A9C33E9-CD5E-941D-063F-B343E81635A1}"/>
+                <a16:creationId xmlns:a16="http://schemas.microsoft.com/office/drawing/2014/main" xmlns="" id="{0A9C33E9-CD5E-941D-063F-B343E81635A1}"/>
               </a:ext>
             </a:extLst>
           </p:cNvPr>
@@ -10347,7 +10348,7 @@
           <p:cNvPr id="27" name="Rectangle: Rounded Corners 26">
             <a:extLst>
               <a:ext uri="{FF2B5EF4-FFF2-40B4-BE49-F238E27FC236}">
-                <a16:creationId xmlns:a16="http://schemas.microsoft.com/office/drawing/2014/main" id="{7D72A3F3-E109-FEB6-E7C5-AED0EDD770CB}"/>
+                <a16:creationId xmlns:a16="http://schemas.microsoft.com/office/drawing/2014/main" xmlns="" id="{7D72A3F3-E109-FEB6-E7C5-AED0EDD770CB}"/>
               </a:ext>
             </a:extLst>
           </p:cNvPr>
@@ -10393,7 +10394,7 @@
           <p:cNvPr id="28" name="Rectangle: Rounded Corners 27">
             <a:extLst>
               <a:ext uri="{FF2B5EF4-FFF2-40B4-BE49-F238E27FC236}">
-                <a16:creationId xmlns:a16="http://schemas.microsoft.com/office/drawing/2014/main" id="{A6D7D2A2-9B96-3576-B0D4-E15B64AC4D6E}"/>
+                <a16:creationId xmlns:a16="http://schemas.microsoft.com/office/drawing/2014/main" xmlns="" id="{A6D7D2A2-9B96-3576-B0D4-E15B64AC4D6E}"/>
               </a:ext>
             </a:extLst>
           </p:cNvPr>
@@ -10439,7 +10440,7 @@
           <p:cNvPr id="29" name="Rectangle: Rounded Corners 28">
             <a:extLst>
               <a:ext uri="{FF2B5EF4-FFF2-40B4-BE49-F238E27FC236}">
-                <a16:creationId xmlns:a16="http://schemas.microsoft.com/office/drawing/2014/main" id="{397A7AAF-FC01-D532-8EC6-1B2F0EDB793A}"/>
+                <a16:creationId xmlns:a16="http://schemas.microsoft.com/office/drawing/2014/main" xmlns="" id="{397A7AAF-FC01-D532-8EC6-1B2F0EDB793A}"/>
               </a:ext>
             </a:extLst>
           </p:cNvPr>
@@ -10485,7 +10486,7 @@
           <p:cNvPr id="30" name="Rectangle: Rounded Corners 29">
             <a:extLst>
               <a:ext uri="{FF2B5EF4-FFF2-40B4-BE49-F238E27FC236}">
-                <a16:creationId xmlns:a16="http://schemas.microsoft.com/office/drawing/2014/main" id="{3AA67438-089E-546A-D9F8-E794D4079B1A}"/>
+                <a16:creationId xmlns:a16="http://schemas.microsoft.com/office/drawing/2014/main" xmlns="" id="{3AA67438-089E-546A-D9F8-E794D4079B1A}"/>
               </a:ext>
             </a:extLst>
           </p:cNvPr>
@@ -10531,7 +10532,7 @@
           <p:cNvPr id="31" name="Rectangle: Rounded Corners 30">
             <a:extLst>
               <a:ext uri="{FF2B5EF4-FFF2-40B4-BE49-F238E27FC236}">
-                <a16:creationId xmlns:a16="http://schemas.microsoft.com/office/drawing/2014/main" id="{8B6C4245-0DC3-832E-C512-6C99B19BF69F}"/>
+                <a16:creationId xmlns:a16="http://schemas.microsoft.com/office/drawing/2014/main" xmlns="" id="{8B6C4245-0DC3-832E-C512-6C99B19BF69F}"/>
               </a:ext>
             </a:extLst>
           </p:cNvPr>
@@ -10577,7 +10578,7 @@
           <p:cNvPr id="33" name="Rectangle: Rounded Corners 32">
             <a:extLst>
               <a:ext uri="{FF2B5EF4-FFF2-40B4-BE49-F238E27FC236}">
-                <a16:creationId xmlns:a16="http://schemas.microsoft.com/office/drawing/2014/main" id="{4BBE82ED-9156-3EC8-654E-70F6A0D0E444}"/>
+                <a16:creationId xmlns:a16="http://schemas.microsoft.com/office/drawing/2014/main" xmlns="" id="{4BBE82ED-9156-3EC8-654E-70F6A0D0E444}"/>
               </a:ext>
             </a:extLst>
           </p:cNvPr>
@@ -10623,7 +10624,7 @@
           <p:cNvPr id="34" name="Rectangle: Rounded Corners 33">
             <a:extLst>
               <a:ext uri="{FF2B5EF4-FFF2-40B4-BE49-F238E27FC236}">
-                <a16:creationId xmlns:a16="http://schemas.microsoft.com/office/drawing/2014/main" id="{9399A8C5-D183-5D1C-BF1C-140244EF8882}"/>
+                <a16:creationId xmlns:a16="http://schemas.microsoft.com/office/drawing/2014/main" xmlns="" id="{9399A8C5-D183-5D1C-BF1C-140244EF8882}"/>
               </a:ext>
             </a:extLst>
           </p:cNvPr>
@@ -10669,7 +10670,7 @@
           <p:cNvPr id="35" name="Rectangle: Rounded Corners 34">
             <a:extLst>
               <a:ext uri="{FF2B5EF4-FFF2-40B4-BE49-F238E27FC236}">
-                <a16:creationId xmlns:a16="http://schemas.microsoft.com/office/drawing/2014/main" id="{EA8A1617-147E-66D3-EFB1-45A1ACF5077D}"/>
+                <a16:creationId xmlns:a16="http://schemas.microsoft.com/office/drawing/2014/main" xmlns="" id="{EA8A1617-147E-66D3-EFB1-45A1ACF5077D}"/>
               </a:ext>
             </a:extLst>
           </p:cNvPr>
@@ -10715,7 +10716,7 @@
           <p:cNvPr id="36" name="Rectangle: Rounded Corners 35">
             <a:extLst>
               <a:ext uri="{FF2B5EF4-FFF2-40B4-BE49-F238E27FC236}">
-                <a16:creationId xmlns:a16="http://schemas.microsoft.com/office/drawing/2014/main" id="{3E0DD7E5-AE58-114B-D6F4-8CDA3AECCADD}"/>
+                <a16:creationId xmlns:a16="http://schemas.microsoft.com/office/drawing/2014/main" xmlns="" id="{3E0DD7E5-AE58-114B-D6F4-8CDA3AECCADD}"/>
               </a:ext>
             </a:extLst>
           </p:cNvPr>
@@ -10761,7 +10762,7 @@
           <p:cNvPr id="37" name="Rectangle: Rounded Corners 36">
             <a:extLst>
               <a:ext uri="{FF2B5EF4-FFF2-40B4-BE49-F238E27FC236}">
-                <a16:creationId xmlns:a16="http://schemas.microsoft.com/office/drawing/2014/main" id="{87D7AA82-0704-FB78-134A-A5E41973E5C4}"/>
+                <a16:creationId xmlns:a16="http://schemas.microsoft.com/office/drawing/2014/main" xmlns="" id="{87D7AA82-0704-FB78-134A-A5E41973E5C4}"/>
               </a:ext>
             </a:extLst>
           </p:cNvPr>
@@ -10807,7 +10808,7 @@
           <p:cNvPr id="38" name="Rectangle: Rounded Corners 37">
             <a:extLst>
               <a:ext uri="{FF2B5EF4-FFF2-40B4-BE49-F238E27FC236}">
-                <a16:creationId xmlns:a16="http://schemas.microsoft.com/office/drawing/2014/main" id="{06DD4137-677C-EEE3-3934-17D398C0CF87}"/>
+                <a16:creationId xmlns:a16="http://schemas.microsoft.com/office/drawing/2014/main" xmlns="" id="{06DD4137-677C-EEE3-3934-17D398C0CF87}"/>
               </a:ext>
             </a:extLst>
           </p:cNvPr>
@@ -10853,7 +10854,7 @@
           <p:cNvPr id="39" name="Rectangle: Rounded Corners 38">
             <a:extLst>
               <a:ext uri="{FF2B5EF4-FFF2-40B4-BE49-F238E27FC236}">
-                <a16:creationId xmlns:a16="http://schemas.microsoft.com/office/drawing/2014/main" id="{B09ADFEE-0FBD-09C0-FE34-C72EF1940331}"/>
+                <a16:creationId xmlns:a16="http://schemas.microsoft.com/office/drawing/2014/main" xmlns="" id="{B09ADFEE-0FBD-09C0-FE34-C72EF1940331}"/>
               </a:ext>
             </a:extLst>
           </p:cNvPr>
@@ -10929,7 +10930,7 @@
           <p:cNvPr id="2" name="Title 1">
             <a:extLst>
               <a:ext uri="{FF2B5EF4-FFF2-40B4-BE49-F238E27FC236}">
-                <a16:creationId xmlns:a16="http://schemas.microsoft.com/office/drawing/2014/main" id="{F60016E6-154E-3101-7DA2-3584100750D8}"/>
+                <a16:creationId xmlns:a16="http://schemas.microsoft.com/office/drawing/2014/main" xmlns="" id="{F60016E6-154E-3101-7DA2-3584100750D8}"/>
               </a:ext>
             </a:extLst>
           </p:cNvPr>
@@ -10957,7 +10958,7 @@
           <p:cNvPr id="5" name="Rectangle 2">
             <a:extLst>
               <a:ext uri="{FF2B5EF4-FFF2-40B4-BE49-F238E27FC236}">
-                <a16:creationId xmlns:a16="http://schemas.microsoft.com/office/drawing/2014/main" id="{765A9F20-8190-E4C5-83C1-529D6B5F4789}"/>
+                <a16:creationId xmlns:a16="http://schemas.microsoft.com/office/drawing/2014/main" xmlns="" id="{765A9F20-8190-E4C5-83C1-529D6B5F4789}"/>
               </a:ext>
             </a:extLst>
           </p:cNvPr>
@@ -11826,7 +11827,7 @@
           <p:cNvPr id="3" name="Table 2">
             <a:extLst>
               <a:ext uri="{FF2B5EF4-FFF2-40B4-BE49-F238E27FC236}">
-                <a16:creationId xmlns:a16="http://schemas.microsoft.com/office/drawing/2014/main" id="{9E9E97BB-6794-A20E-9E56-3D6223686E5F}"/>
+                <a16:creationId xmlns:a16="http://schemas.microsoft.com/office/drawing/2014/main" xmlns="" id="{9E9E97BB-6794-A20E-9E56-3D6223686E5F}"/>
               </a:ext>
             </a:extLst>
           </p:cNvPr>
@@ -11855,35 +11856,35 @@
                 <a:gridCol w="1238076">
                   <a:extLst>
                     <a:ext uri="{9D8B030D-6E8A-4147-A177-3AD203B41FA5}">
-                      <a16:colId xmlns:a16="http://schemas.microsoft.com/office/drawing/2014/main" val="638175133"/>
+                      <a16:colId xmlns:a16="http://schemas.microsoft.com/office/drawing/2014/main" xmlns="" val="638175133"/>
                     </a:ext>
                   </a:extLst>
                 </a:gridCol>
                 <a:gridCol w="1238076">
                   <a:extLst>
                     <a:ext uri="{9D8B030D-6E8A-4147-A177-3AD203B41FA5}">
-                      <a16:colId xmlns:a16="http://schemas.microsoft.com/office/drawing/2014/main" val="3771585028"/>
+                      <a16:colId xmlns:a16="http://schemas.microsoft.com/office/drawing/2014/main" xmlns="" val="3771585028"/>
                     </a:ext>
                   </a:extLst>
                 </a:gridCol>
                 <a:gridCol w="1238076">
                   <a:extLst>
                     <a:ext uri="{9D8B030D-6E8A-4147-A177-3AD203B41FA5}">
-                      <a16:colId xmlns:a16="http://schemas.microsoft.com/office/drawing/2014/main" val="1492299137"/>
+                      <a16:colId xmlns:a16="http://schemas.microsoft.com/office/drawing/2014/main" xmlns="" val="1492299137"/>
                     </a:ext>
                   </a:extLst>
                 </a:gridCol>
                 <a:gridCol w="1238076">
                   <a:extLst>
                     <a:ext uri="{9D8B030D-6E8A-4147-A177-3AD203B41FA5}">
-                      <a16:colId xmlns:a16="http://schemas.microsoft.com/office/drawing/2014/main" val="3567710180"/>
+                      <a16:colId xmlns:a16="http://schemas.microsoft.com/office/drawing/2014/main" xmlns="" val="3567710180"/>
                     </a:ext>
                   </a:extLst>
                 </a:gridCol>
                 <a:gridCol w="1238076">
                   <a:extLst>
                     <a:ext uri="{9D8B030D-6E8A-4147-A177-3AD203B41FA5}">
-                      <a16:colId xmlns:a16="http://schemas.microsoft.com/office/drawing/2014/main" val="2237174292"/>
+                      <a16:colId xmlns:a16="http://schemas.microsoft.com/office/drawing/2014/main" xmlns="" val="2237174292"/>
                     </a:ext>
                   </a:extLst>
                 </a:gridCol>
@@ -11953,7 +11954,7 @@
                 </a:tc>
                 <a:extLst>
                   <a:ext uri="{0D108BD9-81ED-4DB2-BD59-A6C34878D82A}">
-                    <a16:rowId xmlns:a16="http://schemas.microsoft.com/office/drawing/2014/main" val="2884153989"/>
+                    <a16:rowId xmlns:a16="http://schemas.microsoft.com/office/drawing/2014/main" xmlns="" val="2884153989"/>
                   </a:ext>
                 </a:extLst>
               </a:tr>
@@ -12013,7 +12014,7 @@
                 </a:tc>
                 <a:extLst>
                   <a:ext uri="{0D108BD9-81ED-4DB2-BD59-A6C34878D82A}">
-                    <a16:rowId xmlns:a16="http://schemas.microsoft.com/office/drawing/2014/main" val="198470249"/>
+                    <a16:rowId xmlns:a16="http://schemas.microsoft.com/office/drawing/2014/main" xmlns="" val="198470249"/>
                   </a:ext>
                 </a:extLst>
               </a:tr>
@@ -12073,7 +12074,7 @@
                 </a:tc>
                 <a:extLst>
                   <a:ext uri="{0D108BD9-81ED-4DB2-BD59-A6C34878D82A}">
-                    <a16:rowId xmlns:a16="http://schemas.microsoft.com/office/drawing/2014/main" val="3868992484"/>
+                    <a16:rowId xmlns:a16="http://schemas.microsoft.com/office/drawing/2014/main" xmlns="" val="3868992484"/>
                   </a:ext>
                 </a:extLst>
               </a:tr>
@@ -12133,7 +12134,7 @@
                 </a:tc>
                 <a:extLst>
                   <a:ext uri="{0D108BD9-81ED-4DB2-BD59-A6C34878D82A}">
-                    <a16:rowId xmlns:a16="http://schemas.microsoft.com/office/drawing/2014/main" val="3730305556"/>
+                    <a16:rowId xmlns:a16="http://schemas.microsoft.com/office/drawing/2014/main" xmlns="" val="3730305556"/>
                   </a:ext>
                 </a:extLst>
               </a:tr>
@@ -12193,7 +12194,7 @@
                 </a:tc>
                 <a:extLst>
                   <a:ext uri="{0D108BD9-81ED-4DB2-BD59-A6C34878D82A}">
-                    <a16:rowId xmlns:a16="http://schemas.microsoft.com/office/drawing/2014/main" val="701308047"/>
+                    <a16:rowId xmlns:a16="http://schemas.microsoft.com/office/drawing/2014/main" xmlns="" val="701308047"/>
                   </a:ext>
                 </a:extLst>
               </a:tr>
@@ -12253,7 +12254,7 @@
                 </a:tc>
                 <a:extLst>
                   <a:ext uri="{0D108BD9-81ED-4DB2-BD59-A6C34878D82A}">
-                    <a16:rowId xmlns:a16="http://schemas.microsoft.com/office/drawing/2014/main" val="3536780880"/>
+                    <a16:rowId xmlns:a16="http://schemas.microsoft.com/office/drawing/2014/main" xmlns="" val="3536780880"/>
                   </a:ext>
                 </a:extLst>
               </a:tr>
@@ -12313,7 +12314,7 @@
                 </a:tc>
                 <a:extLst>
                   <a:ext uri="{0D108BD9-81ED-4DB2-BD59-A6C34878D82A}">
-                    <a16:rowId xmlns:a16="http://schemas.microsoft.com/office/drawing/2014/main" val="1697176943"/>
+                    <a16:rowId xmlns:a16="http://schemas.microsoft.com/office/drawing/2014/main" xmlns="" val="1697176943"/>
                   </a:ext>
                 </a:extLst>
               </a:tr>
@@ -12326,7 +12327,7 @@
           <p:cNvPr id="4" name="Rectangle: Rounded Corners 3">
             <a:extLst>
               <a:ext uri="{FF2B5EF4-FFF2-40B4-BE49-F238E27FC236}">
-                <a16:creationId xmlns:a16="http://schemas.microsoft.com/office/drawing/2014/main" id="{6CE9FB76-DFF7-9029-7BAD-698CA1ABDAD1}"/>
+                <a16:creationId xmlns:a16="http://schemas.microsoft.com/office/drawing/2014/main" xmlns="" id="{6CE9FB76-DFF7-9029-7BAD-698CA1ABDAD1}"/>
               </a:ext>
             </a:extLst>
           </p:cNvPr>
@@ -12372,7 +12373,7 @@
           <p:cNvPr id="6" name="Rectangle: Rounded Corners 5">
             <a:extLst>
               <a:ext uri="{FF2B5EF4-FFF2-40B4-BE49-F238E27FC236}">
-                <a16:creationId xmlns:a16="http://schemas.microsoft.com/office/drawing/2014/main" id="{C0B5EE7F-5094-0C14-35D5-D1DE0B33979D}"/>
+                <a16:creationId xmlns:a16="http://schemas.microsoft.com/office/drawing/2014/main" xmlns="" id="{C0B5EE7F-5094-0C14-35D5-D1DE0B33979D}"/>
               </a:ext>
             </a:extLst>
           </p:cNvPr>
@@ -12418,7 +12419,7 @@
           <p:cNvPr id="7" name="Rectangle: Rounded Corners 6">
             <a:extLst>
               <a:ext uri="{FF2B5EF4-FFF2-40B4-BE49-F238E27FC236}">
-                <a16:creationId xmlns:a16="http://schemas.microsoft.com/office/drawing/2014/main" id="{0A8B2D3A-7CA8-5423-2505-EA692E6F1782}"/>
+                <a16:creationId xmlns:a16="http://schemas.microsoft.com/office/drawing/2014/main" xmlns="" id="{0A8B2D3A-7CA8-5423-2505-EA692E6F1782}"/>
               </a:ext>
             </a:extLst>
           </p:cNvPr>
@@ -12464,7 +12465,7 @@
           <p:cNvPr id="8" name="Rectangle: Rounded Corners 7">
             <a:extLst>
               <a:ext uri="{FF2B5EF4-FFF2-40B4-BE49-F238E27FC236}">
-                <a16:creationId xmlns:a16="http://schemas.microsoft.com/office/drawing/2014/main" id="{8DD52E20-7700-02AF-C22A-82DB9D7BEC76}"/>
+                <a16:creationId xmlns:a16="http://schemas.microsoft.com/office/drawing/2014/main" xmlns="" id="{8DD52E20-7700-02AF-C22A-82DB9D7BEC76}"/>
               </a:ext>
             </a:extLst>
           </p:cNvPr>
@@ -12510,7 +12511,7 @@
           <p:cNvPr id="9" name="Rectangle: Rounded Corners 8">
             <a:extLst>
               <a:ext uri="{FF2B5EF4-FFF2-40B4-BE49-F238E27FC236}">
-                <a16:creationId xmlns:a16="http://schemas.microsoft.com/office/drawing/2014/main" id="{81E21A9C-4E8B-28EA-7D8B-F9FAA54A4828}"/>
+                <a16:creationId xmlns:a16="http://schemas.microsoft.com/office/drawing/2014/main" xmlns="" id="{81E21A9C-4E8B-28EA-7D8B-F9FAA54A4828}"/>
               </a:ext>
             </a:extLst>
           </p:cNvPr>
@@ -12556,7 +12557,7 @@
           <p:cNvPr id="10" name="Rectangle: Rounded Corners 9">
             <a:extLst>
               <a:ext uri="{FF2B5EF4-FFF2-40B4-BE49-F238E27FC236}">
-                <a16:creationId xmlns:a16="http://schemas.microsoft.com/office/drawing/2014/main" id="{11D9E900-3EB2-3435-B413-99000680382A}"/>
+                <a16:creationId xmlns:a16="http://schemas.microsoft.com/office/drawing/2014/main" xmlns="" id="{11D9E900-3EB2-3435-B413-99000680382A}"/>
               </a:ext>
             </a:extLst>
           </p:cNvPr>
@@ -12601,6 +12602,92 @@
     <p:extLst>
       <p:ext uri="{BB962C8B-B14F-4D97-AF65-F5344CB8AC3E}">
         <p14:creationId xmlns:p14="http://schemas.microsoft.com/office/powerpoint/2010/main" val="1642669697"/>
+      </p:ext>
+    </p:extLst>
+  </p:cSld>
+  <p:clrMapOvr>
+    <a:masterClrMapping/>
+  </p:clrMapOvr>
+</p:sld>
+</file>
+
+<file path=ppt/slides/slide18.xml><?xml version="1.0" encoding="utf-8"?>
+<p:sld xmlns:a="http://schemas.openxmlformats.org/drawingml/2006/main" xmlns:r="http://schemas.openxmlformats.org/officeDocument/2006/relationships" xmlns:p="http://schemas.openxmlformats.org/presentationml/2006/main">
+  <p:cSld>
+    <p:spTree>
+      <p:nvGrpSpPr>
+        <p:cNvPr id="1" name=""/>
+        <p:cNvGrpSpPr/>
+        <p:nvPr/>
+      </p:nvGrpSpPr>
+      <p:grpSpPr>
+        <a:xfrm>
+          <a:off x="0" y="0"/>
+          <a:ext cx="0" cy="0"/>
+          <a:chOff x="0" y="0"/>
+          <a:chExt cx="0" cy="0"/>
+        </a:xfrm>
+      </p:grpSpPr>
+      <p:sp>
+        <p:nvSpPr>
+          <p:cNvPr id="2" name="Title 1"/>
+          <p:cNvSpPr>
+            <a:spLocks noGrp="1"/>
+          </p:cNvSpPr>
+          <p:nvPr>
+            <p:ph type="title"/>
+          </p:nvPr>
+        </p:nvSpPr>
+        <p:spPr/>
+        <p:txBody>
+          <a:bodyPr/>
+          <a:lstStyle/>
+          <a:p>
+            <a:r>
+              <a:rPr lang="en-US" dirty="0" smtClean="0"/>
+              <a:t>Project Backlog</a:t>
+            </a:r>
+            <a:endParaRPr lang="en-IN" dirty="0"/>
+          </a:p>
+        </p:txBody>
+      </p:sp>
+      <p:sp>
+        <p:nvSpPr>
+          <p:cNvPr id="3" name="Content Placeholder 2"/>
+          <p:cNvSpPr>
+            <a:spLocks noGrp="1"/>
+          </p:cNvSpPr>
+          <p:nvPr>
+            <p:ph idx="1"/>
+          </p:nvPr>
+        </p:nvSpPr>
+        <p:spPr/>
+        <p:txBody>
+          <a:bodyPr/>
+          <a:lstStyle/>
+          <a:p>
+            <a:r>
+              <a:rPr lang="en-US" dirty="0" smtClean="0"/>
+              <a:t>Project Backlog is a simple spreadsheet containing all the work items arranged by Feature/Theme</a:t>
+            </a:r>
+          </a:p>
+          <a:p>
+            <a:r>
+              <a:rPr lang="en-US" dirty="0" smtClean="0"/>
+              <a:t>Once the Project software is ready, the Project details and Project backlog will </a:t>
+            </a:r>
+            <a:r>
+              <a:rPr lang="en-US" smtClean="0"/>
+              <a:t>be self-hosted</a:t>
+            </a:r>
+            <a:endParaRPr lang="en-IN"/>
+          </a:p>
+        </p:txBody>
+      </p:sp>
+    </p:spTree>
+    <p:extLst>
+      <p:ext uri="{BB962C8B-B14F-4D97-AF65-F5344CB8AC3E}">
+        <p14:creationId xmlns:p14="http://schemas.microsoft.com/office/powerpoint/2010/main" val="959706151"/>
       </p:ext>
     </p:extLst>
   </p:cSld>
@@ -12632,7 +12719,7 @@
           <p:cNvPr id="2" name="Title 1">
             <a:extLst>
               <a:ext uri="{FF2B5EF4-FFF2-40B4-BE49-F238E27FC236}">
-                <a16:creationId xmlns:a16="http://schemas.microsoft.com/office/drawing/2014/main" id="{DF820C74-17B5-3F81-A079-9360BC259EB4}"/>
+                <a16:creationId xmlns:a16="http://schemas.microsoft.com/office/drawing/2014/main" xmlns="" id="{DF820C74-17B5-3F81-A079-9360BC259EB4}"/>
               </a:ext>
             </a:extLst>
           </p:cNvPr>
@@ -12660,7 +12747,7 @@
           <p:cNvPr id="3" name="Content Placeholder 2">
             <a:extLst>
               <a:ext uri="{FF2B5EF4-FFF2-40B4-BE49-F238E27FC236}">
-                <a16:creationId xmlns:a16="http://schemas.microsoft.com/office/drawing/2014/main" id="{34C4BEDC-DACC-91F1-FFEF-770E8E1B3A68}"/>
+                <a16:creationId xmlns:a16="http://schemas.microsoft.com/office/drawing/2014/main" xmlns="" id="{34C4BEDC-DACC-91F1-FFEF-770E8E1B3A68}"/>
               </a:ext>
             </a:extLst>
           </p:cNvPr>
@@ -12673,7 +12760,9 @@
         </p:nvSpPr>
         <p:spPr/>
         <p:txBody>
-          <a:bodyPr/>
+          <a:bodyPr>
+            <a:normAutofit lnSpcReduction="10000"/>
+          </a:bodyPr>
           <a:lstStyle/>
           <a:p>
             <a:r>
@@ -12726,8 +12815,20 @@
           <a:p>
             <a:r>
               <a:rPr lang="en-IN" dirty="0"/>
-              <a:t>9.Project Consulting</a:t>
-            </a:r>
+              <a:t>9.Project </a:t>
+            </a:r>
+            <a:r>
+              <a:rPr lang="en-IN" dirty="0" smtClean="0"/>
+              <a:t>Consulting</a:t>
+            </a:r>
+            <a:endParaRPr lang="en-IN" dirty="0"/>
+          </a:p>
+          <a:p>
+            <a:r>
+              <a:rPr lang="en-US" dirty="0" smtClean="0"/>
+              <a:t>10.Project Backlog</a:t>
+            </a:r>
+            <a:endParaRPr lang="en-IN" dirty="0"/>
           </a:p>
         </p:txBody>
       </p:sp>
@@ -12766,7 +12867,7 @@
           <p:cNvPr id="2" name="Title 1">
             <a:extLst>
               <a:ext uri="{FF2B5EF4-FFF2-40B4-BE49-F238E27FC236}">
-                <a16:creationId xmlns:a16="http://schemas.microsoft.com/office/drawing/2014/main" id="{14C3A13F-0E9A-50E9-BA85-8F76995C723F}"/>
+                <a16:creationId xmlns:a16="http://schemas.microsoft.com/office/drawing/2014/main" xmlns="" id="{14C3A13F-0E9A-50E9-BA85-8F76995C723F}"/>
               </a:ext>
             </a:extLst>
           </p:cNvPr>
@@ -12794,7 +12895,7 @@
           <p:cNvPr id="3" name="Content Placeholder 2">
             <a:extLst>
               <a:ext uri="{FF2B5EF4-FFF2-40B4-BE49-F238E27FC236}">
-                <a16:creationId xmlns:a16="http://schemas.microsoft.com/office/drawing/2014/main" id="{F2430E68-EBFC-CD07-511A-EDFB7957B021}"/>
+                <a16:creationId xmlns:a16="http://schemas.microsoft.com/office/drawing/2014/main" xmlns="" id="{F2430E68-EBFC-CD07-511A-EDFB7957B021}"/>
               </a:ext>
             </a:extLst>
           </p:cNvPr>
@@ -12882,7 +12983,7 @@
           <p:cNvPr id="2" name="Title 1">
             <a:extLst>
               <a:ext uri="{FF2B5EF4-FFF2-40B4-BE49-F238E27FC236}">
-                <a16:creationId xmlns:a16="http://schemas.microsoft.com/office/drawing/2014/main" id="{9877063B-71BF-B649-8217-56AA1AE2E3AF}"/>
+                <a16:creationId xmlns:a16="http://schemas.microsoft.com/office/drawing/2014/main" xmlns="" id="{9877063B-71BF-B649-8217-56AA1AE2E3AF}"/>
               </a:ext>
             </a:extLst>
           </p:cNvPr>
@@ -12911,7 +13012,7 @@
           <p:cNvPr id="3" name="Content Placeholder 2">
             <a:extLst>
               <a:ext uri="{FF2B5EF4-FFF2-40B4-BE49-F238E27FC236}">
-                <a16:creationId xmlns:a16="http://schemas.microsoft.com/office/drawing/2014/main" id="{877EDDD9-8523-9FE6-FF4C-672FD78C2D89}"/>
+                <a16:creationId xmlns:a16="http://schemas.microsoft.com/office/drawing/2014/main" xmlns="" id="{877EDDD9-8523-9FE6-FF4C-672FD78C2D89}"/>
               </a:ext>
             </a:extLst>
           </p:cNvPr>
@@ -12972,7 +13073,7 @@
           <p:cNvPr id="2" name="Title 1">
             <a:extLst>
               <a:ext uri="{FF2B5EF4-FFF2-40B4-BE49-F238E27FC236}">
-                <a16:creationId xmlns:a16="http://schemas.microsoft.com/office/drawing/2014/main" id="{D26FECD7-029B-18E1-BAD8-00A6BA9D5D6C}"/>
+                <a16:creationId xmlns:a16="http://schemas.microsoft.com/office/drawing/2014/main" xmlns="" id="{D26FECD7-029B-18E1-BAD8-00A6BA9D5D6C}"/>
               </a:ext>
             </a:extLst>
           </p:cNvPr>
@@ -13000,7 +13101,7 @@
           <p:cNvPr id="3" name="Content Placeholder 2">
             <a:extLst>
               <a:ext uri="{FF2B5EF4-FFF2-40B4-BE49-F238E27FC236}">
-                <a16:creationId xmlns:a16="http://schemas.microsoft.com/office/drawing/2014/main" id="{047A7A26-AFD4-987E-62D8-4F193B6AEC38}"/>
+                <a16:creationId xmlns:a16="http://schemas.microsoft.com/office/drawing/2014/main" xmlns="" id="{047A7A26-AFD4-987E-62D8-4F193B6AEC38}"/>
               </a:ext>
             </a:extLst>
           </p:cNvPr>
@@ -13104,7 +13205,7 @@
           <p:cNvPr id="2" name="Title 1">
             <a:extLst>
               <a:ext uri="{FF2B5EF4-FFF2-40B4-BE49-F238E27FC236}">
-                <a16:creationId xmlns:a16="http://schemas.microsoft.com/office/drawing/2014/main" id="{D26FECD7-029B-18E1-BAD8-00A6BA9D5D6C}"/>
+                <a16:creationId xmlns:a16="http://schemas.microsoft.com/office/drawing/2014/main" xmlns="" id="{D26FECD7-029B-18E1-BAD8-00A6BA9D5D6C}"/>
               </a:ext>
             </a:extLst>
           </p:cNvPr>
@@ -13132,7 +13233,7 @@
           <p:cNvPr id="3" name="Content Placeholder 2">
             <a:extLst>
               <a:ext uri="{FF2B5EF4-FFF2-40B4-BE49-F238E27FC236}">
-                <a16:creationId xmlns:a16="http://schemas.microsoft.com/office/drawing/2014/main" id="{047A7A26-AFD4-987E-62D8-4F193B6AEC38}"/>
+                <a16:creationId xmlns:a16="http://schemas.microsoft.com/office/drawing/2014/main" xmlns="" id="{047A7A26-AFD4-987E-62D8-4F193B6AEC38}"/>
               </a:ext>
             </a:extLst>
           </p:cNvPr>
@@ -13236,7 +13337,7 @@
           <p:cNvPr id="2" name="Title 1">
             <a:extLst>
               <a:ext uri="{FF2B5EF4-FFF2-40B4-BE49-F238E27FC236}">
-                <a16:creationId xmlns:a16="http://schemas.microsoft.com/office/drawing/2014/main" id="{D26FECD7-029B-18E1-BAD8-00A6BA9D5D6C}"/>
+                <a16:creationId xmlns:a16="http://schemas.microsoft.com/office/drawing/2014/main" xmlns="" id="{D26FECD7-029B-18E1-BAD8-00A6BA9D5D6C}"/>
               </a:ext>
             </a:extLst>
           </p:cNvPr>
@@ -13264,7 +13365,7 @@
           <p:cNvPr id="3" name="Content Placeholder 2">
             <a:extLst>
               <a:ext uri="{FF2B5EF4-FFF2-40B4-BE49-F238E27FC236}">
-                <a16:creationId xmlns:a16="http://schemas.microsoft.com/office/drawing/2014/main" id="{047A7A26-AFD4-987E-62D8-4F193B6AEC38}"/>
+                <a16:creationId xmlns:a16="http://schemas.microsoft.com/office/drawing/2014/main" xmlns="" id="{047A7A26-AFD4-987E-62D8-4F193B6AEC38}"/>
               </a:ext>
             </a:extLst>
           </p:cNvPr>
@@ -13368,7 +13469,7 @@
           <p:cNvPr id="2" name="Title 1">
             <a:extLst>
               <a:ext uri="{FF2B5EF4-FFF2-40B4-BE49-F238E27FC236}">
-                <a16:creationId xmlns:a16="http://schemas.microsoft.com/office/drawing/2014/main" id="{D26FECD7-029B-18E1-BAD8-00A6BA9D5D6C}"/>
+                <a16:creationId xmlns:a16="http://schemas.microsoft.com/office/drawing/2014/main" xmlns="" id="{D26FECD7-029B-18E1-BAD8-00A6BA9D5D6C}"/>
               </a:ext>
             </a:extLst>
           </p:cNvPr>
@@ -13396,7 +13497,7 @@
           <p:cNvPr id="3" name="Content Placeholder 2">
             <a:extLst>
               <a:ext uri="{FF2B5EF4-FFF2-40B4-BE49-F238E27FC236}">
-                <a16:creationId xmlns:a16="http://schemas.microsoft.com/office/drawing/2014/main" id="{047A7A26-AFD4-987E-62D8-4F193B6AEC38}"/>
+                <a16:creationId xmlns:a16="http://schemas.microsoft.com/office/drawing/2014/main" xmlns="" id="{047A7A26-AFD4-987E-62D8-4F193B6AEC38}"/>
               </a:ext>
             </a:extLst>
           </p:cNvPr>
@@ -13500,7 +13601,7 @@
           <p:cNvPr id="2" name="Title 1">
             <a:extLst>
               <a:ext uri="{FF2B5EF4-FFF2-40B4-BE49-F238E27FC236}">
-                <a16:creationId xmlns:a16="http://schemas.microsoft.com/office/drawing/2014/main" id="{D26FECD7-029B-18E1-BAD8-00A6BA9D5D6C}"/>
+                <a16:creationId xmlns:a16="http://schemas.microsoft.com/office/drawing/2014/main" xmlns="" id="{D26FECD7-029B-18E1-BAD8-00A6BA9D5D6C}"/>
               </a:ext>
             </a:extLst>
           </p:cNvPr>
@@ -13528,7 +13629,7 @@
           <p:cNvPr id="3" name="Content Placeholder 2">
             <a:extLst>
               <a:ext uri="{FF2B5EF4-FFF2-40B4-BE49-F238E27FC236}">
-                <a16:creationId xmlns:a16="http://schemas.microsoft.com/office/drawing/2014/main" id="{047A7A26-AFD4-987E-62D8-4F193B6AEC38}"/>
+                <a16:creationId xmlns:a16="http://schemas.microsoft.com/office/drawing/2014/main" xmlns="" id="{047A7A26-AFD4-987E-62D8-4F193B6AEC38}"/>
               </a:ext>
             </a:extLst>
           </p:cNvPr>
